--- a/docs/diagrams/UiComponentClassDiagram.pptx
+++ b/docs/diagrams/UiComponentClassDiagram.pptx
@@ -208,7 +208,7 @@
           <a:p>
             <a:fld id="{F5CC4B3F-88C1-4FFA-B1B6-F41C21DC6924}" type="datetimeFigureOut">
               <a:rPr lang="en-US" smtClean="0"/>
-              <a:t>1/7/2017</a:t>
+              <a:t>11/2/17</a:t>
             </a:fld>
             <a:endParaRPr lang="en-US"/>
           </a:p>
@@ -654,7 +654,7 @@
           <a:p>
             <a:fld id="{78C97017-6FC3-485B-9764-EAC9E56C1D49}" type="datetimeFigureOut">
               <a:rPr lang="en-US" smtClean="0"/>
-              <a:t>1/7/2017</a:t>
+              <a:t>11/2/17</a:t>
             </a:fld>
             <a:endParaRPr lang="en-US"/>
           </a:p>
@@ -822,7 +822,7 @@
           <a:p>
             <a:fld id="{78C97017-6FC3-485B-9764-EAC9E56C1D49}" type="datetimeFigureOut">
               <a:rPr lang="en-US" smtClean="0"/>
-              <a:t>1/7/2017</a:t>
+              <a:t>11/2/17</a:t>
             </a:fld>
             <a:endParaRPr lang="en-US"/>
           </a:p>
@@ -1000,7 +1000,7 @@
           <a:p>
             <a:fld id="{78C97017-6FC3-485B-9764-EAC9E56C1D49}" type="datetimeFigureOut">
               <a:rPr lang="en-US" smtClean="0"/>
-              <a:t>1/7/2017</a:t>
+              <a:t>11/2/17</a:t>
             </a:fld>
             <a:endParaRPr lang="en-US"/>
           </a:p>
@@ -1168,7 +1168,7 @@
           <a:p>
             <a:fld id="{78C97017-6FC3-485B-9764-EAC9E56C1D49}" type="datetimeFigureOut">
               <a:rPr lang="en-US" smtClean="0"/>
-              <a:t>1/7/2017</a:t>
+              <a:t>11/2/17</a:t>
             </a:fld>
             <a:endParaRPr lang="en-US"/>
           </a:p>
@@ -1413,7 +1413,7 @@
           <a:p>
             <a:fld id="{78C97017-6FC3-485B-9764-EAC9E56C1D49}" type="datetimeFigureOut">
               <a:rPr lang="en-US" smtClean="0"/>
-              <a:t>1/7/2017</a:t>
+              <a:t>11/2/17</a:t>
             </a:fld>
             <a:endParaRPr lang="en-US"/>
           </a:p>
@@ -1698,7 +1698,7 @@
           <a:p>
             <a:fld id="{78C97017-6FC3-485B-9764-EAC9E56C1D49}" type="datetimeFigureOut">
               <a:rPr lang="en-US" smtClean="0"/>
-              <a:t>1/7/2017</a:t>
+              <a:t>11/2/17</a:t>
             </a:fld>
             <a:endParaRPr lang="en-US"/>
           </a:p>
@@ -2117,7 +2117,7 @@
           <a:p>
             <a:fld id="{78C97017-6FC3-485B-9764-EAC9E56C1D49}" type="datetimeFigureOut">
               <a:rPr lang="en-US" smtClean="0"/>
-              <a:t>1/7/2017</a:t>
+              <a:t>11/2/17</a:t>
             </a:fld>
             <a:endParaRPr lang="en-US"/>
           </a:p>
@@ -2234,7 +2234,7 @@
           <a:p>
             <a:fld id="{78C97017-6FC3-485B-9764-EAC9E56C1D49}" type="datetimeFigureOut">
               <a:rPr lang="en-US" smtClean="0"/>
-              <a:t>1/7/2017</a:t>
+              <a:t>11/2/17</a:t>
             </a:fld>
             <a:endParaRPr lang="en-US"/>
           </a:p>
@@ -2329,7 +2329,7 @@
           <a:p>
             <a:fld id="{78C97017-6FC3-485B-9764-EAC9E56C1D49}" type="datetimeFigureOut">
               <a:rPr lang="en-US" smtClean="0"/>
-              <a:t>1/7/2017</a:t>
+              <a:t>11/2/17</a:t>
             </a:fld>
             <a:endParaRPr lang="en-US"/>
           </a:p>
@@ -2604,7 +2604,7 @@
           <a:p>
             <a:fld id="{78C97017-6FC3-485B-9764-EAC9E56C1D49}" type="datetimeFigureOut">
               <a:rPr lang="en-US" smtClean="0"/>
-              <a:t>1/7/2017</a:t>
+              <a:t>11/2/17</a:t>
             </a:fld>
             <a:endParaRPr lang="en-US"/>
           </a:p>
@@ -2856,7 +2856,7 @@
           <a:p>
             <a:fld id="{78C97017-6FC3-485B-9764-EAC9E56C1D49}" type="datetimeFigureOut">
               <a:rPr lang="en-US" smtClean="0"/>
-              <a:t>1/7/2017</a:t>
+              <a:t>11/2/17</a:t>
             </a:fld>
             <a:endParaRPr lang="en-US"/>
           </a:p>
@@ -3067,7 +3067,7 @@
           <a:p>
             <a:fld id="{78C97017-6FC3-485B-9764-EAC9E56C1D49}" type="datetimeFigureOut">
               <a:rPr lang="en-US" smtClean="0"/>
-              <a:t>1/7/2017</a:t>
+              <a:t>11/2/17</a:t>
             </a:fld>
             <a:endParaRPr lang="en-US"/>
           </a:p>
@@ -3450,8 +3450,8 @@
         </p:nvSpPr>
         <p:spPr>
           <a:xfrm>
-            <a:off x="1217465" y="1447800"/>
-            <a:ext cx="4917083" cy="3962400"/>
+            <a:off x="1217465" y="914400"/>
+            <a:ext cx="4917083" cy="5029200"/>
           </a:xfrm>
           <a:prstGeom prst="roundRect">
             <a:avLst>
@@ -3512,7 +3512,7 @@
         </p:nvSpPr>
         <p:spPr>
           <a:xfrm>
-            <a:off x="2095948" y="2341220"/>
+            <a:off x="2118755" y="1815648"/>
             <a:ext cx="1093635" cy="346760"/>
           </a:xfrm>
           <a:prstGeom prst="rect">
@@ -3632,7 +3632,7 @@
         </p:nvSpPr>
         <p:spPr>
           <a:xfrm>
-            <a:off x="2092842" y="1770924"/>
+            <a:off x="2092842" y="1326746"/>
             <a:ext cx="1093635" cy="346760"/>
           </a:xfrm>
           <a:prstGeom prst="rect">
@@ -3694,8 +3694,8 @@
         </p:nvCxnSpPr>
         <p:spPr>
           <a:xfrm rot="16200000" flipH="1">
-            <a:off x="2529445" y="2227899"/>
-            <a:ext cx="223536" cy="3106"/>
+            <a:off x="2581545" y="1731620"/>
+            <a:ext cx="142142" cy="25913"/>
           </a:xfrm>
           <a:prstGeom prst="bentConnector3">
             <a:avLst>
@@ -3945,7 +3945,7 @@
         </p:nvSpPr>
         <p:spPr>
           <a:xfrm>
-            <a:off x="2592527" y="4563759"/>
+            <a:off x="2592524" y="5054590"/>
             <a:ext cx="1093635" cy="236841"/>
           </a:xfrm>
           <a:prstGeom prst="rect">
@@ -4125,7 +4125,7 @@
         </p:nvSpPr>
         <p:spPr>
           <a:xfrm>
-            <a:off x="2592528" y="4966000"/>
+            <a:off x="2592525" y="5444175"/>
             <a:ext cx="1093635" cy="236841"/>
           </a:xfrm>
           <a:prstGeom prst="rect">
@@ -4185,7 +4185,7 @@
         </p:nvSpPr>
         <p:spPr>
           <a:xfrm>
-            <a:off x="2324548" y="2706452"/>
+            <a:off x="2324548" y="2151210"/>
             <a:ext cx="183156" cy="161573"/>
           </a:xfrm>
           <a:prstGeom prst="flowChartDecision">
@@ -4236,8 +4236,8 @@
         </p:nvCxnSpPr>
         <p:spPr>
           <a:xfrm rot="16200000" flipH="1">
-            <a:off x="2393229" y="2890922"/>
-            <a:ext cx="222196" cy="176402"/>
+            <a:off x="2115608" y="2613301"/>
+            <a:ext cx="777438" cy="176402"/>
           </a:xfrm>
           <a:prstGeom prst="bentConnector2">
             <a:avLst/>
@@ -4337,8 +4337,8 @@
         </p:nvCxnSpPr>
         <p:spPr>
           <a:xfrm rot="16200000" flipH="1">
-            <a:off x="2054450" y="3229701"/>
-            <a:ext cx="899755" cy="176402"/>
+            <a:off x="1776829" y="2952080"/>
+            <a:ext cx="1454997" cy="176402"/>
           </a:xfrm>
           <a:prstGeom prst="bentConnector2">
             <a:avLst/>
@@ -4378,8 +4378,8 @@
         </p:nvCxnSpPr>
         <p:spPr>
           <a:xfrm rot="16200000" flipH="1">
-            <a:off x="1883148" y="3401003"/>
-            <a:ext cx="1242356" cy="176400"/>
+            <a:off x="1605527" y="3123382"/>
+            <a:ext cx="1797598" cy="176400"/>
           </a:xfrm>
           <a:prstGeom prst="bentConnector2">
             <a:avLst/>
@@ -4419,8 +4419,8 @@
         </p:nvCxnSpPr>
         <p:spPr>
           <a:xfrm rot="16200000" flipH="1">
-            <a:off x="1597249" y="3686901"/>
-            <a:ext cx="1814155" cy="176401"/>
+            <a:off x="1074211" y="3654698"/>
+            <a:ext cx="2860228" cy="176398"/>
           </a:xfrm>
           <a:prstGeom prst="bentConnector2">
             <a:avLst/>
@@ -4459,8 +4459,8 @@
         </p:nvCxnSpPr>
         <p:spPr>
           <a:xfrm rot="16200000" flipH="1">
-            <a:off x="1184119" y="3676012"/>
-            <a:ext cx="2396440" cy="420377"/>
+            <a:off x="690797" y="3660868"/>
+            <a:ext cx="3400188" cy="403267"/>
           </a:xfrm>
           <a:prstGeom prst="bentConnector2">
             <a:avLst/>
@@ -4701,12 +4701,15 @@
           <p:nvPr/>
         </p:nvCxnSpPr>
         <p:spPr>
-          <a:xfrm flipV="1">
-            <a:off x="3189583" y="2286000"/>
-            <a:ext cx="2340386" cy="228600"/>
-          </a:xfrm>
-          <a:prstGeom prst="bentConnector2">
-            <a:avLst/>
+          <a:xfrm>
+            <a:off x="3212390" y="1989028"/>
+            <a:ext cx="2317579" cy="296972"/>
+          </a:xfrm>
+          <a:prstGeom prst="bentConnector4">
+            <a:avLst>
+              <a:gd name="adj1" fmla="val 47082"/>
+              <a:gd name="adj2" fmla="val 176977"/>
+            </a:avLst>
           </a:prstGeom>
           <a:ln w="6350">
             <a:solidFill>
@@ -4743,8 +4746,8 @@
         </p:nvCxnSpPr>
         <p:spPr>
           <a:xfrm rot="5400000">
-            <a:off x="3409976" y="2562187"/>
-            <a:ext cx="2396180" cy="1843807"/>
+            <a:off x="3164559" y="2807600"/>
+            <a:ext cx="2887011" cy="1843810"/>
           </a:xfrm>
           <a:prstGeom prst="bentConnector2">
             <a:avLst/>
@@ -4784,8 +4787,8 @@
         </p:nvCxnSpPr>
         <p:spPr>
           <a:xfrm rot="5400000">
-            <a:off x="3208856" y="2763307"/>
-            <a:ext cx="2798421" cy="1843806"/>
+            <a:off x="2969767" y="3002394"/>
+            <a:ext cx="3276596" cy="1843809"/>
           </a:xfrm>
           <a:prstGeom prst="bentConnector2">
             <a:avLst/>
@@ -4824,7 +4827,7 @@
         </p:nvCxnSpPr>
         <p:spPr>
           <a:xfrm rot="5400000" flipH="1" flipV="1">
-            <a:off x="4594921" y="-355061"/>
+            <a:off x="4594921" y="-799239"/>
             <a:ext cx="170724" cy="4081246"/>
           </a:xfrm>
           <a:prstGeom prst="bentConnector2">
@@ -5044,8 +5047,8 @@
         </p:nvCxnSpPr>
         <p:spPr>
           <a:xfrm rot="10800000" flipV="1">
-            <a:off x="1503020" y="1944303"/>
-            <a:ext cx="589823" cy="341697"/>
+            <a:off x="1503020" y="1500125"/>
+            <a:ext cx="589823" cy="785875"/>
           </a:xfrm>
           <a:prstGeom prst="bentConnector2">
             <a:avLst/>
@@ -5086,8 +5089,8 @@
         </p:nvCxnSpPr>
         <p:spPr>
           <a:xfrm rot="16200000" flipH="1">
-            <a:off x="2226110" y="3058040"/>
-            <a:ext cx="554704" cy="174673"/>
+            <a:off x="1948489" y="2780419"/>
+            <a:ext cx="1109946" cy="174673"/>
           </a:xfrm>
           <a:prstGeom prst="bentConnector2">
             <a:avLst/>
@@ -5506,6 +5509,366 @@
           <a:p>
             <a:pPr algn="ctr"/>
             <a:endParaRPr lang="en-SG"/>
+          </a:p>
+        </p:txBody>
+      </p:sp>
+      <p:sp>
+        <p:nvSpPr>
+          <p:cNvPr id="49" name="Rectangle 11"/>
+          <p:cNvSpPr/>
+          <p:nvPr/>
+        </p:nvSpPr>
+        <p:spPr>
+          <a:xfrm>
+            <a:off x="2597206" y="4494814"/>
+            <a:ext cx="1093635" cy="236841"/>
+          </a:xfrm>
+          <a:prstGeom prst="rect">
+            <a:avLst/>
+          </a:prstGeom>
+          <a:ln w="19050">
+            <a:solidFill>
+              <a:schemeClr val="accent3"/>
+            </a:solidFill>
+          </a:ln>
+          <a:effectLst/>
+        </p:spPr>
+        <p:style>
+          <a:lnRef idx="1">
+            <a:schemeClr val="accent3"/>
+          </a:lnRef>
+          <a:fillRef idx="2">
+            <a:schemeClr val="accent3"/>
+          </a:fillRef>
+          <a:effectRef idx="1">
+            <a:schemeClr val="accent3"/>
+          </a:effectRef>
+          <a:fontRef idx="minor">
+            <a:schemeClr val="dk1"/>
+          </a:fontRef>
+        </p:style>
+        <p:txBody>
+          <a:bodyPr rtlCol="0" anchor="ctr"/>
+          <a:lstStyle/>
+          <a:p>
+            <a:pPr algn="ctr"/>
+            <a:r>
+              <a:rPr lang="en-US" sz="1050" b="1" dirty="0" err="1" smtClean="0">
+                <a:solidFill>
+                  <a:schemeClr val="accent3">
+                    <a:lumMod val="75000"/>
+                  </a:schemeClr>
+                </a:solidFill>
+              </a:rPr>
+              <a:t>EventListPanel</a:t>
+            </a:r>
+            <a:endParaRPr lang="en-SG" sz="1050" b="1" dirty="0">
+              <a:solidFill>
+                <a:schemeClr val="accent3">
+                  <a:lumMod val="75000"/>
+                </a:schemeClr>
+              </a:solidFill>
+            </a:endParaRPr>
+          </a:p>
+        </p:txBody>
+      </p:sp>
+      <p:cxnSp>
+        <p:nvCxnSpPr>
+          <p:cNvPr id="51" name="Elbow Connector 63"/>
+          <p:cNvCxnSpPr>
+            <a:endCxn id="49" idx="1"/>
+          </p:cNvCxnSpPr>
+          <p:nvPr/>
+        </p:nvCxnSpPr>
+        <p:spPr>
+          <a:xfrm rot="16200000" flipH="1">
+            <a:off x="1887828" y="3903857"/>
+            <a:ext cx="1242356" cy="176400"/>
+          </a:xfrm>
+          <a:prstGeom prst="bentConnector2">
+            <a:avLst/>
+          </a:prstGeom>
+          <a:ln w="19050">
+            <a:solidFill>
+              <a:schemeClr val="accent3"/>
+            </a:solidFill>
+            <a:headEnd type="none" w="med" len="med"/>
+            <a:tailEnd type="arrow" w="med" len="med"/>
+          </a:ln>
+          <a:effectLst/>
+        </p:spPr>
+        <p:style>
+          <a:lnRef idx="1">
+            <a:schemeClr val="accent2"/>
+          </a:lnRef>
+          <a:fillRef idx="2">
+            <a:schemeClr val="accent2"/>
+          </a:fillRef>
+          <a:effectRef idx="1">
+            <a:schemeClr val="accent2"/>
+          </a:effectRef>
+          <a:fontRef idx="minor">
+            <a:schemeClr val="dk1"/>
+          </a:fontRef>
+        </p:style>
+      </p:cxnSp>
+      <p:cxnSp>
+        <p:nvCxnSpPr>
+          <p:cNvPr id="52" name="Elbow Connector 63"/>
+          <p:cNvCxnSpPr/>
+          <p:nvPr/>
+        </p:nvCxnSpPr>
+        <p:spPr>
+          <a:xfrm rot="5400000">
+            <a:off x="4179168" y="3494595"/>
+            <a:ext cx="2061222" cy="649740"/>
+          </a:xfrm>
+          <a:prstGeom prst="bentConnector2">
+            <a:avLst/>
+          </a:prstGeom>
+          <a:ln w="6350">
+            <a:solidFill>
+              <a:schemeClr val="accent3"/>
+            </a:solidFill>
+            <a:headEnd type="none" w="med" len="med"/>
+            <a:tailEnd type="none" w="med" len="med"/>
+          </a:ln>
+          <a:effectLst/>
+        </p:spPr>
+        <p:style>
+          <a:lnRef idx="1">
+            <a:schemeClr val="accent2"/>
+          </a:lnRef>
+          <a:fillRef idx="2">
+            <a:schemeClr val="accent2"/>
+          </a:fillRef>
+          <a:effectRef idx="1">
+            <a:schemeClr val="accent2"/>
+          </a:effectRef>
+          <a:fontRef idx="minor">
+            <a:schemeClr val="dk1"/>
+          </a:fontRef>
+        </p:style>
+      </p:cxnSp>
+      <p:cxnSp>
+        <p:nvCxnSpPr>
+          <p:cNvPr id="54" name="Elbow Connector 53"/>
+          <p:cNvCxnSpPr>
+            <a:stCxn id="49" idx="2"/>
+          </p:cNvCxnSpPr>
+          <p:nvPr/>
+        </p:nvCxnSpPr>
+        <p:spPr>
+          <a:xfrm rot="16200000" flipH="1">
+            <a:off x="3434803" y="4440875"/>
+            <a:ext cx="118421" cy="699979"/>
+          </a:xfrm>
+          <a:prstGeom prst="bentConnector2">
+            <a:avLst/>
+          </a:prstGeom>
+          <a:ln w="19050">
+            <a:solidFill>
+              <a:schemeClr val="accent3"/>
+            </a:solidFill>
+            <a:headEnd type="none" w="med" len="med"/>
+            <a:tailEnd type="arrow" w="med" len="med"/>
+          </a:ln>
+          <a:effectLst/>
+        </p:spPr>
+        <p:style>
+          <a:lnRef idx="1">
+            <a:schemeClr val="accent2"/>
+          </a:lnRef>
+          <a:fillRef idx="2">
+            <a:schemeClr val="accent2"/>
+          </a:fillRef>
+          <a:effectRef idx="1">
+            <a:schemeClr val="accent2"/>
+          </a:effectRef>
+          <a:fontRef idx="minor">
+            <a:schemeClr val="dk1"/>
+          </a:fontRef>
+        </p:style>
+      </p:cxnSp>
+      <p:cxnSp>
+        <p:nvCxnSpPr>
+          <p:cNvPr id="55" name="Elbow Connector 63"/>
+          <p:cNvCxnSpPr>
+            <a:endCxn id="49" idx="3"/>
+          </p:cNvCxnSpPr>
+          <p:nvPr/>
+        </p:nvCxnSpPr>
+        <p:spPr>
+          <a:xfrm rot="5400000">
+            <a:off x="3700555" y="2779140"/>
+            <a:ext cx="1824381" cy="1843808"/>
+          </a:xfrm>
+          <a:prstGeom prst="bentConnector2">
+            <a:avLst/>
+          </a:prstGeom>
+          <a:ln w="6350">
+            <a:solidFill>
+              <a:schemeClr val="accent3"/>
+            </a:solidFill>
+            <a:headEnd type="none" w="med" len="med"/>
+            <a:tailEnd type="none" w="med" len="med"/>
+          </a:ln>
+          <a:effectLst/>
+        </p:spPr>
+        <p:style>
+          <a:lnRef idx="1">
+            <a:schemeClr val="accent2"/>
+          </a:lnRef>
+          <a:fillRef idx="2">
+            <a:schemeClr val="accent2"/>
+          </a:fillRef>
+          <a:effectRef idx="1">
+            <a:schemeClr val="accent2"/>
+          </a:effectRef>
+          <a:fontRef idx="minor">
+            <a:schemeClr val="dk1"/>
+          </a:fontRef>
+        </p:style>
+      </p:cxnSp>
+      <p:sp>
+        <p:nvSpPr>
+          <p:cNvPr id="56" name="Freeform 55"/>
+          <p:cNvSpPr/>
+          <p:nvPr/>
+        </p:nvSpPr>
+        <p:spPr>
+          <a:xfrm flipV="1">
+            <a:off x="4119479" y="4975562"/>
+            <a:ext cx="2642195" cy="101600"/>
+          </a:xfrm>
+          <a:custGeom>
+            <a:avLst/>
+            <a:gdLst>
+              <a:gd name="connsiteX0" fmla="*/ 0 w 3048000"/>
+              <a:gd name="connsiteY0" fmla="*/ 203200 h 203200"/>
+              <a:gd name="connsiteX1" fmla="*/ 221673 w 3048000"/>
+              <a:gd name="connsiteY1" fmla="*/ 0 h 203200"/>
+              <a:gd name="connsiteX2" fmla="*/ 3048000 w 3048000"/>
+              <a:gd name="connsiteY2" fmla="*/ 0 h 203200"/>
+            </a:gdLst>
+            <a:ahLst/>
+            <a:cxnLst>
+              <a:cxn ang="0">
+                <a:pos x="connsiteX0" y="connsiteY0"/>
+              </a:cxn>
+              <a:cxn ang="0">
+                <a:pos x="connsiteX1" y="connsiteY1"/>
+              </a:cxn>
+              <a:cxn ang="0">
+                <a:pos x="connsiteX2" y="connsiteY2"/>
+              </a:cxn>
+            </a:cxnLst>
+            <a:rect l="l" t="t" r="r" b="b"/>
+            <a:pathLst>
+              <a:path w="3048000" h="203200">
+                <a:moveTo>
+                  <a:pt x="0" y="203200"/>
+                </a:moveTo>
+                <a:lnTo>
+                  <a:pt x="221673" y="0"/>
+                </a:lnTo>
+                <a:lnTo>
+                  <a:pt x="3048000" y="0"/>
+                </a:lnTo>
+              </a:path>
+            </a:pathLst>
+          </a:custGeom>
+          <a:noFill/>
+          <a:ln w="19050">
+            <a:solidFill>
+              <a:schemeClr val="accent3"/>
+            </a:solidFill>
+            <a:prstDash val="sysDot"/>
+            <a:headEnd type="none" w="med" len="med"/>
+            <a:tailEnd type="arrow" w="med" len="med"/>
+          </a:ln>
+          <a:effectLst/>
+        </p:spPr>
+        <p:style>
+          <a:lnRef idx="1">
+            <a:schemeClr val="accent2"/>
+          </a:lnRef>
+          <a:fillRef idx="2">
+            <a:schemeClr val="accent2"/>
+          </a:fillRef>
+          <a:effectRef idx="1">
+            <a:schemeClr val="accent2"/>
+          </a:effectRef>
+          <a:fontRef idx="minor">
+            <a:schemeClr val="dk1"/>
+          </a:fontRef>
+        </p:style>
+        <p:txBody>
+          <a:bodyPr rtlCol="0" anchor="ctr"/>
+          <a:lstStyle/>
+          <a:p>
+            <a:pPr algn="ctr"/>
+            <a:endParaRPr lang="en-SG"/>
+          </a:p>
+        </p:txBody>
+      </p:sp>
+      <p:sp>
+        <p:nvSpPr>
+          <p:cNvPr id="57" name="Rectangle 11"/>
+          <p:cNvSpPr/>
+          <p:nvPr/>
+        </p:nvSpPr>
+        <p:spPr>
+          <a:xfrm>
+            <a:off x="3848683" y="4707995"/>
+            <a:ext cx="1040906" cy="236841"/>
+          </a:xfrm>
+          <a:prstGeom prst="rect">
+            <a:avLst/>
+          </a:prstGeom>
+          <a:ln w="19050">
+            <a:solidFill>
+              <a:schemeClr val="accent3"/>
+            </a:solidFill>
+          </a:ln>
+          <a:effectLst/>
+        </p:spPr>
+        <p:style>
+          <a:lnRef idx="1">
+            <a:schemeClr val="accent3"/>
+          </a:lnRef>
+          <a:fillRef idx="2">
+            <a:schemeClr val="accent3"/>
+          </a:fillRef>
+          <a:effectRef idx="1">
+            <a:schemeClr val="accent3"/>
+          </a:effectRef>
+          <a:fontRef idx="minor">
+            <a:schemeClr val="dk1"/>
+          </a:fontRef>
+        </p:style>
+        <p:txBody>
+          <a:bodyPr rtlCol="0" anchor="ctr"/>
+          <a:lstStyle/>
+          <a:p>
+            <a:pPr algn="ctr"/>
+            <a:r>
+              <a:rPr lang="en-US" sz="1050" b="1" dirty="0" err="1" smtClean="0">
+                <a:solidFill>
+                  <a:schemeClr val="accent3">
+                    <a:lumMod val="75000"/>
+                  </a:schemeClr>
+                </a:solidFill>
+              </a:rPr>
+              <a:t>EventCard</a:t>
+            </a:r>
+            <a:endParaRPr lang="en-SG" sz="1050" b="1" dirty="0">
+              <a:solidFill>
+                <a:schemeClr val="accent3">
+                  <a:lumMod val="75000"/>
+                </a:schemeClr>
+              </a:solidFill>
+            </a:endParaRPr>
           </a:p>
         </p:txBody>
       </p:sp>
